--- a/Documentation/Ecrit/01d_Arborescence.pptx
+++ b/Documentation/Ecrit/01d_Arborescence.pptx
@@ -106,7 +106,7 @@
   </p:defaultTextStyle>
   <p:extLst>
     <p:ext uri="{EFAFB233-063F-42B5-8137-9DF3F51BA10A}">
-      <p15:sldGuideLst xmlns:p15="http://schemas.microsoft.com/office/powerpoint/2012/main"/>
+      <p15:sldGuideLst xmlns:p15="http://schemas.microsoft.com/office/powerpoint/2012/main" xmlns=""/>
     </p:ext>
   </p:extLst>
 </p:presentation>
@@ -1003,7 +1003,7 @@
           <p:cNvPr id="2" name="Titre 1">
             <a:extLst>
               <a:ext uri="{FF2B5EF4-FFF2-40B4-BE49-F238E27FC236}">
-                <a16:creationId xmlns:a16="http://schemas.microsoft.com/office/drawing/2014/main" id="{BCB3F76B-1C04-425E-89DC-640398C1B0D8}"/>
+                <a16:creationId xmlns:a16="http://schemas.microsoft.com/office/drawing/2014/main" xmlns="" id="{BCB3F76B-1C04-425E-89DC-640398C1B0D8}"/>
               </a:ext>
             </a:extLst>
           </p:cNvPr>
@@ -1040,7 +1040,7 @@
           <p:cNvPr id="3" name="Sous-titre 2">
             <a:extLst>
               <a:ext uri="{FF2B5EF4-FFF2-40B4-BE49-F238E27FC236}">
-                <a16:creationId xmlns:a16="http://schemas.microsoft.com/office/drawing/2014/main" id="{B1ED48D3-D042-41D2-A6A2-13A2AE891488}"/>
+                <a16:creationId xmlns:a16="http://schemas.microsoft.com/office/drawing/2014/main" xmlns="" id="{B1ED48D3-D042-41D2-A6A2-13A2AE891488}"/>
               </a:ext>
             </a:extLst>
           </p:cNvPr>
@@ -1110,7 +1110,7 @@
           <p:cNvPr id="4" name="Espace réservé de la date 3">
             <a:extLst>
               <a:ext uri="{FF2B5EF4-FFF2-40B4-BE49-F238E27FC236}">
-                <a16:creationId xmlns:a16="http://schemas.microsoft.com/office/drawing/2014/main" id="{6465CAC2-2C4F-43E7-B626-BA4E5D15376C}"/>
+                <a16:creationId xmlns:a16="http://schemas.microsoft.com/office/drawing/2014/main" xmlns="" id="{6465CAC2-2C4F-43E7-B626-BA4E5D15376C}"/>
               </a:ext>
             </a:extLst>
           </p:cNvPr>
@@ -1128,7 +1128,8 @@
           <a:p>
             <a:fld id="{03D0E808-2280-47D8-B66B-238F58F10961}" type="datetimeFigureOut">
               <a:rPr lang="fr-FR" smtClean="0"/>
-              <a:t>05/02/2020</a:t>
+              <a:pPr/>
+              <a:t>06/03/2020</a:t>
             </a:fld>
             <a:endParaRPr lang="fr-FR"/>
           </a:p>
@@ -1139,7 +1140,7 @@
           <p:cNvPr id="5" name="Espace réservé du pied de page 4">
             <a:extLst>
               <a:ext uri="{FF2B5EF4-FFF2-40B4-BE49-F238E27FC236}">
-                <a16:creationId xmlns:a16="http://schemas.microsoft.com/office/drawing/2014/main" id="{65B26FE3-895B-4E92-93DA-EE85FCCF6AA5}"/>
+                <a16:creationId xmlns:a16="http://schemas.microsoft.com/office/drawing/2014/main" xmlns="" id="{65B26FE3-895B-4E92-93DA-EE85FCCF6AA5}"/>
               </a:ext>
             </a:extLst>
           </p:cNvPr>
@@ -1164,7 +1165,7 @@
           <p:cNvPr id="6" name="Espace réservé du numéro de diapositive 5">
             <a:extLst>
               <a:ext uri="{FF2B5EF4-FFF2-40B4-BE49-F238E27FC236}">
-                <a16:creationId xmlns:a16="http://schemas.microsoft.com/office/drawing/2014/main" id="{084C158F-34E7-450F-9B63-E4E5FDDA54BB}"/>
+                <a16:creationId xmlns:a16="http://schemas.microsoft.com/office/drawing/2014/main" xmlns="" id="{084C158F-34E7-450F-9B63-E4E5FDDA54BB}"/>
               </a:ext>
             </a:extLst>
           </p:cNvPr>
@@ -1182,6 +1183,7 @@
           <a:p>
             <a:fld id="{4F362008-E69A-4C20-9514-30841BB57A9F}" type="slidenum">
               <a:rPr lang="fr-FR" smtClean="0"/>
+              <a:pPr/>
               <a:t>‹N°›</a:t>
             </a:fld>
             <a:endParaRPr lang="fr-FR"/>
@@ -1191,7 +1193,7 @@
     </p:spTree>
     <p:extLst>
       <p:ext uri="{BB962C8B-B14F-4D97-AF65-F5344CB8AC3E}">
-        <p14:creationId xmlns:p14="http://schemas.microsoft.com/office/powerpoint/2010/main" val="1448813145"/>
+        <p14:creationId xmlns:p14="http://schemas.microsoft.com/office/powerpoint/2010/main" xmlns="" val="1448813145"/>
       </p:ext>
     </p:extLst>
   </p:cSld>
@@ -1223,7 +1225,7 @@
           <p:cNvPr id="2" name="Titre 1">
             <a:extLst>
               <a:ext uri="{FF2B5EF4-FFF2-40B4-BE49-F238E27FC236}">
-                <a16:creationId xmlns:a16="http://schemas.microsoft.com/office/drawing/2014/main" id="{C363B958-AC0B-4C7E-A49F-2E0A66DA7861}"/>
+                <a16:creationId xmlns:a16="http://schemas.microsoft.com/office/drawing/2014/main" xmlns="" id="{C363B958-AC0B-4C7E-A49F-2E0A66DA7861}"/>
               </a:ext>
             </a:extLst>
           </p:cNvPr>
@@ -1251,7 +1253,7 @@
           <p:cNvPr id="3" name="Espace réservé du texte vertical 2">
             <a:extLst>
               <a:ext uri="{FF2B5EF4-FFF2-40B4-BE49-F238E27FC236}">
-                <a16:creationId xmlns:a16="http://schemas.microsoft.com/office/drawing/2014/main" id="{1E840996-C959-47F9-8D1C-7E582857D3E8}"/>
+                <a16:creationId xmlns:a16="http://schemas.microsoft.com/office/drawing/2014/main" xmlns="" id="{1E840996-C959-47F9-8D1C-7E582857D3E8}"/>
               </a:ext>
             </a:extLst>
           </p:cNvPr>
@@ -1308,7 +1310,7 @@
           <p:cNvPr id="4" name="Espace réservé de la date 3">
             <a:extLst>
               <a:ext uri="{FF2B5EF4-FFF2-40B4-BE49-F238E27FC236}">
-                <a16:creationId xmlns:a16="http://schemas.microsoft.com/office/drawing/2014/main" id="{D40B9444-6396-4C19-85F6-33DC27B3C9FF}"/>
+                <a16:creationId xmlns:a16="http://schemas.microsoft.com/office/drawing/2014/main" xmlns="" id="{D40B9444-6396-4C19-85F6-33DC27B3C9FF}"/>
               </a:ext>
             </a:extLst>
           </p:cNvPr>
@@ -1326,7 +1328,8 @@
           <a:p>
             <a:fld id="{03D0E808-2280-47D8-B66B-238F58F10961}" type="datetimeFigureOut">
               <a:rPr lang="fr-FR" smtClean="0"/>
-              <a:t>05/02/2020</a:t>
+              <a:pPr/>
+              <a:t>06/03/2020</a:t>
             </a:fld>
             <a:endParaRPr lang="fr-FR"/>
           </a:p>
@@ -1337,7 +1340,7 @@
           <p:cNvPr id="5" name="Espace réservé du pied de page 4">
             <a:extLst>
               <a:ext uri="{FF2B5EF4-FFF2-40B4-BE49-F238E27FC236}">
-                <a16:creationId xmlns:a16="http://schemas.microsoft.com/office/drawing/2014/main" id="{55E84480-4037-46EB-96A4-7E0FE5C72E75}"/>
+                <a16:creationId xmlns:a16="http://schemas.microsoft.com/office/drawing/2014/main" xmlns="" id="{55E84480-4037-46EB-96A4-7E0FE5C72E75}"/>
               </a:ext>
             </a:extLst>
           </p:cNvPr>
@@ -1362,7 +1365,7 @@
           <p:cNvPr id="6" name="Espace réservé du numéro de diapositive 5">
             <a:extLst>
               <a:ext uri="{FF2B5EF4-FFF2-40B4-BE49-F238E27FC236}">
-                <a16:creationId xmlns:a16="http://schemas.microsoft.com/office/drawing/2014/main" id="{0CF8ABF4-D2DC-4E89-BD81-9206C9DABCA7}"/>
+                <a16:creationId xmlns:a16="http://schemas.microsoft.com/office/drawing/2014/main" xmlns="" id="{0CF8ABF4-D2DC-4E89-BD81-9206C9DABCA7}"/>
               </a:ext>
             </a:extLst>
           </p:cNvPr>
@@ -1380,6 +1383,7 @@
           <a:p>
             <a:fld id="{4F362008-E69A-4C20-9514-30841BB57A9F}" type="slidenum">
               <a:rPr lang="fr-FR" smtClean="0"/>
+              <a:pPr/>
               <a:t>‹N°›</a:t>
             </a:fld>
             <a:endParaRPr lang="fr-FR"/>
@@ -1389,7 +1393,7 @@
     </p:spTree>
     <p:extLst>
       <p:ext uri="{BB962C8B-B14F-4D97-AF65-F5344CB8AC3E}">
-        <p14:creationId xmlns:p14="http://schemas.microsoft.com/office/powerpoint/2010/main" val="2335208787"/>
+        <p14:creationId xmlns:p14="http://schemas.microsoft.com/office/powerpoint/2010/main" xmlns="" val="2335208787"/>
       </p:ext>
     </p:extLst>
   </p:cSld>
@@ -1421,7 +1425,7 @@
           <p:cNvPr id="2" name="Titre vertical 1">
             <a:extLst>
               <a:ext uri="{FF2B5EF4-FFF2-40B4-BE49-F238E27FC236}">
-                <a16:creationId xmlns:a16="http://schemas.microsoft.com/office/drawing/2014/main" id="{EA81ECAF-ED19-4B4A-80F1-B8A854BE5D25}"/>
+                <a16:creationId xmlns:a16="http://schemas.microsoft.com/office/drawing/2014/main" xmlns="" id="{EA81ECAF-ED19-4B4A-80F1-B8A854BE5D25}"/>
               </a:ext>
             </a:extLst>
           </p:cNvPr>
@@ -1454,7 +1458,7 @@
           <p:cNvPr id="3" name="Espace réservé du texte vertical 2">
             <a:extLst>
               <a:ext uri="{FF2B5EF4-FFF2-40B4-BE49-F238E27FC236}">
-                <a16:creationId xmlns:a16="http://schemas.microsoft.com/office/drawing/2014/main" id="{4C60B0C2-E3EA-44B3-BD04-A3DD252D2E5F}"/>
+                <a16:creationId xmlns:a16="http://schemas.microsoft.com/office/drawing/2014/main" xmlns="" id="{4C60B0C2-E3EA-44B3-BD04-A3DD252D2E5F}"/>
               </a:ext>
             </a:extLst>
           </p:cNvPr>
@@ -1516,7 +1520,7 @@
           <p:cNvPr id="4" name="Espace réservé de la date 3">
             <a:extLst>
               <a:ext uri="{FF2B5EF4-FFF2-40B4-BE49-F238E27FC236}">
-                <a16:creationId xmlns:a16="http://schemas.microsoft.com/office/drawing/2014/main" id="{EC70B139-0D20-4369-A77C-473C30055A77}"/>
+                <a16:creationId xmlns:a16="http://schemas.microsoft.com/office/drawing/2014/main" xmlns="" id="{EC70B139-0D20-4369-A77C-473C30055A77}"/>
               </a:ext>
             </a:extLst>
           </p:cNvPr>
@@ -1534,7 +1538,8 @@
           <a:p>
             <a:fld id="{03D0E808-2280-47D8-B66B-238F58F10961}" type="datetimeFigureOut">
               <a:rPr lang="fr-FR" smtClean="0"/>
-              <a:t>05/02/2020</a:t>
+              <a:pPr/>
+              <a:t>06/03/2020</a:t>
             </a:fld>
             <a:endParaRPr lang="fr-FR"/>
           </a:p>
@@ -1545,7 +1550,7 @@
           <p:cNvPr id="5" name="Espace réservé du pied de page 4">
             <a:extLst>
               <a:ext uri="{FF2B5EF4-FFF2-40B4-BE49-F238E27FC236}">
-                <a16:creationId xmlns:a16="http://schemas.microsoft.com/office/drawing/2014/main" id="{735E3881-13F4-4523-A137-A2E72A83D76C}"/>
+                <a16:creationId xmlns:a16="http://schemas.microsoft.com/office/drawing/2014/main" xmlns="" id="{735E3881-13F4-4523-A137-A2E72A83D76C}"/>
               </a:ext>
             </a:extLst>
           </p:cNvPr>
@@ -1570,7 +1575,7 @@
           <p:cNvPr id="6" name="Espace réservé du numéro de diapositive 5">
             <a:extLst>
               <a:ext uri="{FF2B5EF4-FFF2-40B4-BE49-F238E27FC236}">
-                <a16:creationId xmlns:a16="http://schemas.microsoft.com/office/drawing/2014/main" id="{8CD97F49-7C96-4C4F-A7DF-7EF5B07E95F6}"/>
+                <a16:creationId xmlns:a16="http://schemas.microsoft.com/office/drawing/2014/main" xmlns="" id="{8CD97F49-7C96-4C4F-A7DF-7EF5B07E95F6}"/>
               </a:ext>
             </a:extLst>
           </p:cNvPr>
@@ -1588,6 +1593,7 @@
           <a:p>
             <a:fld id="{4F362008-E69A-4C20-9514-30841BB57A9F}" type="slidenum">
               <a:rPr lang="fr-FR" smtClean="0"/>
+              <a:pPr/>
               <a:t>‹N°›</a:t>
             </a:fld>
             <a:endParaRPr lang="fr-FR"/>
@@ -1597,7 +1603,7 @@
     </p:spTree>
     <p:extLst>
       <p:ext uri="{BB962C8B-B14F-4D97-AF65-F5344CB8AC3E}">
-        <p14:creationId xmlns:p14="http://schemas.microsoft.com/office/powerpoint/2010/main" val="3125400865"/>
+        <p14:creationId xmlns:p14="http://schemas.microsoft.com/office/powerpoint/2010/main" xmlns="" val="3125400865"/>
       </p:ext>
     </p:extLst>
   </p:cSld>
@@ -1629,7 +1635,7 @@
           <p:cNvPr id="2" name="Titre 1">
             <a:extLst>
               <a:ext uri="{FF2B5EF4-FFF2-40B4-BE49-F238E27FC236}">
-                <a16:creationId xmlns:a16="http://schemas.microsoft.com/office/drawing/2014/main" id="{EEF7095F-BDD9-4ACF-8EB7-A6BA7984160B}"/>
+                <a16:creationId xmlns:a16="http://schemas.microsoft.com/office/drawing/2014/main" xmlns="" id="{EEF7095F-BDD9-4ACF-8EB7-A6BA7984160B}"/>
               </a:ext>
             </a:extLst>
           </p:cNvPr>
@@ -1657,7 +1663,7 @@
           <p:cNvPr id="3" name="Espace réservé du contenu 2">
             <a:extLst>
               <a:ext uri="{FF2B5EF4-FFF2-40B4-BE49-F238E27FC236}">
-                <a16:creationId xmlns:a16="http://schemas.microsoft.com/office/drawing/2014/main" id="{D4D1FFD8-A376-4D81-8FF7-736741AAB6EB}"/>
+                <a16:creationId xmlns:a16="http://schemas.microsoft.com/office/drawing/2014/main" xmlns="" id="{D4D1FFD8-A376-4D81-8FF7-736741AAB6EB}"/>
               </a:ext>
             </a:extLst>
           </p:cNvPr>
@@ -1714,7 +1720,7 @@
           <p:cNvPr id="4" name="Espace réservé de la date 3">
             <a:extLst>
               <a:ext uri="{FF2B5EF4-FFF2-40B4-BE49-F238E27FC236}">
-                <a16:creationId xmlns:a16="http://schemas.microsoft.com/office/drawing/2014/main" id="{5C558963-F1F3-4ED3-B20A-0BA9A8E61130}"/>
+                <a16:creationId xmlns:a16="http://schemas.microsoft.com/office/drawing/2014/main" xmlns="" id="{5C558963-F1F3-4ED3-B20A-0BA9A8E61130}"/>
               </a:ext>
             </a:extLst>
           </p:cNvPr>
@@ -1732,7 +1738,8 @@
           <a:p>
             <a:fld id="{03D0E808-2280-47D8-B66B-238F58F10961}" type="datetimeFigureOut">
               <a:rPr lang="fr-FR" smtClean="0"/>
-              <a:t>05/02/2020</a:t>
+              <a:pPr/>
+              <a:t>06/03/2020</a:t>
             </a:fld>
             <a:endParaRPr lang="fr-FR"/>
           </a:p>
@@ -1743,7 +1750,7 @@
           <p:cNvPr id="5" name="Espace réservé du pied de page 4">
             <a:extLst>
               <a:ext uri="{FF2B5EF4-FFF2-40B4-BE49-F238E27FC236}">
-                <a16:creationId xmlns:a16="http://schemas.microsoft.com/office/drawing/2014/main" id="{AAEBC8B4-3A4D-4BFF-8B48-BEC4B03395E0}"/>
+                <a16:creationId xmlns:a16="http://schemas.microsoft.com/office/drawing/2014/main" xmlns="" id="{AAEBC8B4-3A4D-4BFF-8B48-BEC4B03395E0}"/>
               </a:ext>
             </a:extLst>
           </p:cNvPr>
@@ -1768,7 +1775,7 @@
           <p:cNvPr id="6" name="Espace réservé du numéro de diapositive 5">
             <a:extLst>
               <a:ext uri="{FF2B5EF4-FFF2-40B4-BE49-F238E27FC236}">
-                <a16:creationId xmlns:a16="http://schemas.microsoft.com/office/drawing/2014/main" id="{9C49CAB4-EBE1-4CD2-A8A1-087699EA5E5E}"/>
+                <a16:creationId xmlns:a16="http://schemas.microsoft.com/office/drawing/2014/main" xmlns="" id="{9C49CAB4-EBE1-4CD2-A8A1-087699EA5E5E}"/>
               </a:ext>
             </a:extLst>
           </p:cNvPr>
@@ -1786,6 +1793,7 @@
           <a:p>
             <a:fld id="{4F362008-E69A-4C20-9514-30841BB57A9F}" type="slidenum">
               <a:rPr lang="fr-FR" smtClean="0"/>
+              <a:pPr/>
               <a:t>‹N°›</a:t>
             </a:fld>
             <a:endParaRPr lang="fr-FR"/>
@@ -1795,7 +1803,7 @@
     </p:spTree>
     <p:extLst>
       <p:ext uri="{BB962C8B-B14F-4D97-AF65-F5344CB8AC3E}">
-        <p14:creationId xmlns:p14="http://schemas.microsoft.com/office/powerpoint/2010/main" val="3722522697"/>
+        <p14:creationId xmlns:p14="http://schemas.microsoft.com/office/powerpoint/2010/main" xmlns="" val="3722522697"/>
       </p:ext>
     </p:extLst>
   </p:cSld>
@@ -1827,7 +1835,7 @@
           <p:cNvPr id="2" name="Titre 1">
             <a:extLst>
               <a:ext uri="{FF2B5EF4-FFF2-40B4-BE49-F238E27FC236}">
-                <a16:creationId xmlns:a16="http://schemas.microsoft.com/office/drawing/2014/main" id="{AD49512D-48AF-4E81-860F-3E8DB1DF6645}"/>
+                <a16:creationId xmlns:a16="http://schemas.microsoft.com/office/drawing/2014/main" xmlns="" id="{AD49512D-48AF-4E81-860F-3E8DB1DF6645}"/>
               </a:ext>
             </a:extLst>
           </p:cNvPr>
@@ -1864,7 +1872,7 @@
           <p:cNvPr id="3" name="Espace réservé du texte 2">
             <a:extLst>
               <a:ext uri="{FF2B5EF4-FFF2-40B4-BE49-F238E27FC236}">
-                <a16:creationId xmlns:a16="http://schemas.microsoft.com/office/drawing/2014/main" id="{9DBE0524-3576-4A6F-A5FD-A3EC3A3A782C}"/>
+                <a16:creationId xmlns:a16="http://schemas.microsoft.com/office/drawing/2014/main" xmlns="" id="{9DBE0524-3576-4A6F-A5FD-A3EC3A3A782C}"/>
               </a:ext>
             </a:extLst>
           </p:cNvPr>
@@ -1989,7 +1997,7 @@
           <p:cNvPr id="4" name="Espace réservé de la date 3">
             <a:extLst>
               <a:ext uri="{FF2B5EF4-FFF2-40B4-BE49-F238E27FC236}">
-                <a16:creationId xmlns:a16="http://schemas.microsoft.com/office/drawing/2014/main" id="{F472ACC2-1D96-4AB9-941F-FD15C677AB15}"/>
+                <a16:creationId xmlns:a16="http://schemas.microsoft.com/office/drawing/2014/main" xmlns="" id="{F472ACC2-1D96-4AB9-941F-FD15C677AB15}"/>
               </a:ext>
             </a:extLst>
           </p:cNvPr>
@@ -2007,7 +2015,8 @@
           <a:p>
             <a:fld id="{03D0E808-2280-47D8-B66B-238F58F10961}" type="datetimeFigureOut">
               <a:rPr lang="fr-FR" smtClean="0"/>
-              <a:t>05/02/2020</a:t>
+              <a:pPr/>
+              <a:t>06/03/2020</a:t>
             </a:fld>
             <a:endParaRPr lang="fr-FR"/>
           </a:p>
@@ -2018,7 +2027,7 @@
           <p:cNvPr id="5" name="Espace réservé du pied de page 4">
             <a:extLst>
               <a:ext uri="{FF2B5EF4-FFF2-40B4-BE49-F238E27FC236}">
-                <a16:creationId xmlns:a16="http://schemas.microsoft.com/office/drawing/2014/main" id="{CA17F80F-8B50-47F7-A135-5236928D7D07}"/>
+                <a16:creationId xmlns:a16="http://schemas.microsoft.com/office/drawing/2014/main" xmlns="" id="{CA17F80F-8B50-47F7-A135-5236928D7D07}"/>
               </a:ext>
             </a:extLst>
           </p:cNvPr>
@@ -2043,7 +2052,7 @@
           <p:cNvPr id="6" name="Espace réservé du numéro de diapositive 5">
             <a:extLst>
               <a:ext uri="{FF2B5EF4-FFF2-40B4-BE49-F238E27FC236}">
-                <a16:creationId xmlns:a16="http://schemas.microsoft.com/office/drawing/2014/main" id="{93BC1FF3-507D-43D9-B45F-72B4D45E2EF8}"/>
+                <a16:creationId xmlns:a16="http://schemas.microsoft.com/office/drawing/2014/main" xmlns="" id="{93BC1FF3-507D-43D9-B45F-72B4D45E2EF8}"/>
               </a:ext>
             </a:extLst>
           </p:cNvPr>
@@ -2061,6 +2070,7 @@
           <a:p>
             <a:fld id="{4F362008-E69A-4C20-9514-30841BB57A9F}" type="slidenum">
               <a:rPr lang="fr-FR" smtClean="0"/>
+              <a:pPr/>
               <a:t>‹N°›</a:t>
             </a:fld>
             <a:endParaRPr lang="fr-FR"/>
@@ -2070,7 +2080,7 @@
     </p:spTree>
     <p:extLst>
       <p:ext uri="{BB962C8B-B14F-4D97-AF65-F5344CB8AC3E}">
-        <p14:creationId xmlns:p14="http://schemas.microsoft.com/office/powerpoint/2010/main" val="1422667294"/>
+        <p14:creationId xmlns:p14="http://schemas.microsoft.com/office/powerpoint/2010/main" xmlns="" val="1422667294"/>
       </p:ext>
     </p:extLst>
   </p:cSld>
@@ -2102,7 +2112,7 @@
           <p:cNvPr id="2" name="Titre 1">
             <a:extLst>
               <a:ext uri="{FF2B5EF4-FFF2-40B4-BE49-F238E27FC236}">
-                <a16:creationId xmlns:a16="http://schemas.microsoft.com/office/drawing/2014/main" id="{FBD3FCE3-B844-4210-99C6-EF709C5D1544}"/>
+                <a16:creationId xmlns:a16="http://schemas.microsoft.com/office/drawing/2014/main" xmlns="" id="{FBD3FCE3-B844-4210-99C6-EF709C5D1544}"/>
               </a:ext>
             </a:extLst>
           </p:cNvPr>
@@ -2130,7 +2140,7 @@
           <p:cNvPr id="3" name="Espace réservé du contenu 2">
             <a:extLst>
               <a:ext uri="{FF2B5EF4-FFF2-40B4-BE49-F238E27FC236}">
-                <a16:creationId xmlns:a16="http://schemas.microsoft.com/office/drawing/2014/main" id="{502F2262-A4CA-44C7-873A-40ED38D00314}"/>
+                <a16:creationId xmlns:a16="http://schemas.microsoft.com/office/drawing/2014/main" xmlns="" id="{502F2262-A4CA-44C7-873A-40ED38D00314}"/>
               </a:ext>
             </a:extLst>
           </p:cNvPr>
@@ -2192,7 +2202,7 @@
           <p:cNvPr id="4" name="Espace réservé du contenu 3">
             <a:extLst>
               <a:ext uri="{FF2B5EF4-FFF2-40B4-BE49-F238E27FC236}">
-                <a16:creationId xmlns:a16="http://schemas.microsoft.com/office/drawing/2014/main" id="{26F8BE1C-1CC5-4F6A-8EAC-F4845D4FE7FA}"/>
+                <a16:creationId xmlns:a16="http://schemas.microsoft.com/office/drawing/2014/main" xmlns="" id="{26F8BE1C-1CC5-4F6A-8EAC-F4845D4FE7FA}"/>
               </a:ext>
             </a:extLst>
           </p:cNvPr>
@@ -2254,7 +2264,7 @@
           <p:cNvPr id="5" name="Espace réservé de la date 4">
             <a:extLst>
               <a:ext uri="{FF2B5EF4-FFF2-40B4-BE49-F238E27FC236}">
-                <a16:creationId xmlns:a16="http://schemas.microsoft.com/office/drawing/2014/main" id="{E194F32C-40C8-4BAD-91D0-3BCD0DFE6589}"/>
+                <a16:creationId xmlns:a16="http://schemas.microsoft.com/office/drawing/2014/main" xmlns="" id="{E194F32C-40C8-4BAD-91D0-3BCD0DFE6589}"/>
               </a:ext>
             </a:extLst>
           </p:cNvPr>
@@ -2272,7 +2282,8 @@
           <a:p>
             <a:fld id="{03D0E808-2280-47D8-B66B-238F58F10961}" type="datetimeFigureOut">
               <a:rPr lang="fr-FR" smtClean="0"/>
-              <a:t>05/02/2020</a:t>
+              <a:pPr/>
+              <a:t>06/03/2020</a:t>
             </a:fld>
             <a:endParaRPr lang="fr-FR"/>
           </a:p>
@@ -2283,7 +2294,7 @@
           <p:cNvPr id="6" name="Espace réservé du pied de page 5">
             <a:extLst>
               <a:ext uri="{FF2B5EF4-FFF2-40B4-BE49-F238E27FC236}">
-                <a16:creationId xmlns:a16="http://schemas.microsoft.com/office/drawing/2014/main" id="{16F12EC4-FD9E-4DE1-B529-168A455C450B}"/>
+                <a16:creationId xmlns:a16="http://schemas.microsoft.com/office/drawing/2014/main" xmlns="" id="{16F12EC4-FD9E-4DE1-B529-168A455C450B}"/>
               </a:ext>
             </a:extLst>
           </p:cNvPr>
@@ -2308,7 +2319,7 @@
           <p:cNvPr id="7" name="Espace réservé du numéro de diapositive 6">
             <a:extLst>
               <a:ext uri="{FF2B5EF4-FFF2-40B4-BE49-F238E27FC236}">
-                <a16:creationId xmlns:a16="http://schemas.microsoft.com/office/drawing/2014/main" id="{F83E64CE-9968-4CF0-A2ED-D6CC7FE72B22}"/>
+                <a16:creationId xmlns:a16="http://schemas.microsoft.com/office/drawing/2014/main" xmlns="" id="{F83E64CE-9968-4CF0-A2ED-D6CC7FE72B22}"/>
               </a:ext>
             </a:extLst>
           </p:cNvPr>
@@ -2326,6 +2337,7 @@
           <a:p>
             <a:fld id="{4F362008-E69A-4C20-9514-30841BB57A9F}" type="slidenum">
               <a:rPr lang="fr-FR" smtClean="0"/>
+              <a:pPr/>
               <a:t>‹N°›</a:t>
             </a:fld>
             <a:endParaRPr lang="fr-FR"/>
@@ -2335,7 +2347,7 @@
     </p:spTree>
     <p:extLst>
       <p:ext uri="{BB962C8B-B14F-4D97-AF65-F5344CB8AC3E}">
-        <p14:creationId xmlns:p14="http://schemas.microsoft.com/office/powerpoint/2010/main" val="2310895693"/>
+        <p14:creationId xmlns:p14="http://schemas.microsoft.com/office/powerpoint/2010/main" xmlns="" val="2310895693"/>
       </p:ext>
     </p:extLst>
   </p:cSld>
@@ -2367,7 +2379,7 @@
           <p:cNvPr id="2" name="Titre 1">
             <a:extLst>
               <a:ext uri="{FF2B5EF4-FFF2-40B4-BE49-F238E27FC236}">
-                <a16:creationId xmlns:a16="http://schemas.microsoft.com/office/drawing/2014/main" id="{08ED78DD-DEE8-424C-B2BE-209E68C6F0FC}"/>
+                <a16:creationId xmlns:a16="http://schemas.microsoft.com/office/drawing/2014/main" xmlns="" id="{08ED78DD-DEE8-424C-B2BE-209E68C6F0FC}"/>
               </a:ext>
             </a:extLst>
           </p:cNvPr>
@@ -2400,7 +2412,7 @@
           <p:cNvPr id="3" name="Espace réservé du texte 2">
             <a:extLst>
               <a:ext uri="{FF2B5EF4-FFF2-40B4-BE49-F238E27FC236}">
-                <a16:creationId xmlns:a16="http://schemas.microsoft.com/office/drawing/2014/main" id="{E93D7CD5-127A-475F-9B0F-A9ECCBE45B37}"/>
+                <a16:creationId xmlns:a16="http://schemas.microsoft.com/office/drawing/2014/main" xmlns="" id="{E93D7CD5-127A-475F-9B0F-A9ECCBE45B37}"/>
               </a:ext>
             </a:extLst>
           </p:cNvPr>
@@ -2471,7 +2483,7 @@
           <p:cNvPr id="4" name="Espace réservé du contenu 3">
             <a:extLst>
               <a:ext uri="{FF2B5EF4-FFF2-40B4-BE49-F238E27FC236}">
-                <a16:creationId xmlns:a16="http://schemas.microsoft.com/office/drawing/2014/main" id="{28F09DF4-D873-42C0-807E-41D6C3234794}"/>
+                <a16:creationId xmlns:a16="http://schemas.microsoft.com/office/drawing/2014/main" xmlns="" id="{28F09DF4-D873-42C0-807E-41D6C3234794}"/>
               </a:ext>
             </a:extLst>
           </p:cNvPr>
@@ -2533,7 +2545,7 @@
           <p:cNvPr id="5" name="Espace réservé du texte 4">
             <a:extLst>
               <a:ext uri="{FF2B5EF4-FFF2-40B4-BE49-F238E27FC236}">
-                <a16:creationId xmlns:a16="http://schemas.microsoft.com/office/drawing/2014/main" id="{8B575513-E5BA-4A33-BF5C-57DAB03EA5D4}"/>
+                <a16:creationId xmlns:a16="http://schemas.microsoft.com/office/drawing/2014/main" xmlns="" id="{8B575513-E5BA-4A33-BF5C-57DAB03EA5D4}"/>
               </a:ext>
             </a:extLst>
           </p:cNvPr>
@@ -2604,7 +2616,7 @@
           <p:cNvPr id="6" name="Espace réservé du contenu 5">
             <a:extLst>
               <a:ext uri="{FF2B5EF4-FFF2-40B4-BE49-F238E27FC236}">
-                <a16:creationId xmlns:a16="http://schemas.microsoft.com/office/drawing/2014/main" id="{91D4EE83-C51A-4A7F-94FB-881C7FC50E26}"/>
+                <a16:creationId xmlns:a16="http://schemas.microsoft.com/office/drawing/2014/main" xmlns="" id="{91D4EE83-C51A-4A7F-94FB-881C7FC50E26}"/>
               </a:ext>
             </a:extLst>
           </p:cNvPr>
@@ -2666,7 +2678,7 @@
           <p:cNvPr id="7" name="Espace réservé de la date 6">
             <a:extLst>
               <a:ext uri="{FF2B5EF4-FFF2-40B4-BE49-F238E27FC236}">
-                <a16:creationId xmlns:a16="http://schemas.microsoft.com/office/drawing/2014/main" id="{CB54AE42-0A19-4912-87E5-915F80F321AC}"/>
+                <a16:creationId xmlns:a16="http://schemas.microsoft.com/office/drawing/2014/main" xmlns="" id="{CB54AE42-0A19-4912-87E5-915F80F321AC}"/>
               </a:ext>
             </a:extLst>
           </p:cNvPr>
@@ -2684,7 +2696,8 @@
           <a:p>
             <a:fld id="{03D0E808-2280-47D8-B66B-238F58F10961}" type="datetimeFigureOut">
               <a:rPr lang="fr-FR" smtClean="0"/>
-              <a:t>05/02/2020</a:t>
+              <a:pPr/>
+              <a:t>06/03/2020</a:t>
             </a:fld>
             <a:endParaRPr lang="fr-FR"/>
           </a:p>
@@ -2695,7 +2708,7 @@
           <p:cNvPr id="8" name="Espace réservé du pied de page 7">
             <a:extLst>
               <a:ext uri="{FF2B5EF4-FFF2-40B4-BE49-F238E27FC236}">
-                <a16:creationId xmlns:a16="http://schemas.microsoft.com/office/drawing/2014/main" id="{81E674AA-F8AA-4D8A-9839-16BDF72D2313}"/>
+                <a16:creationId xmlns:a16="http://schemas.microsoft.com/office/drawing/2014/main" xmlns="" id="{81E674AA-F8AA-4D8A-9839-16BDF72D2313}"/>
               </a:ext>
             </a:extLst>
           </p:cNvPr>
@@ -2720,7 +2733,7 @@
           <p:cNvPr id="9" name="Espace réservé du numéro de diapositive 8">
             <a:extLst>
               <a:ext uri="{FF2B5EF4-FFF2-40B4-BE49-F238E27FC236}">
-                <a16:creationId xmlns:a16="http://schemas.microsoft.com/office/drawing/2014/main" id="{96C2E3CE-140E-4CED-B817-453D96564029}"/>
+                <a16:creationId xmlns:a16="http://schemas.microsoft.com/office/drawing/2014/main" xmlns="" id="{96C2E3CE-140E-4CED-B817-453D96564029}"/>
               </a:ext>
             </a:extLst>
           </p:cNvPr>
@@ -2738,6 +2751,7 @@
           <a:p>
             <a:fld id="{4F362008-E69A-4C20-9514-30841BB57A9F}" type="slidenum">
               <a:rPr lang="fr-FR" smtClean="0"/>
+              <a:pPr/>
               <a:t>‹N°›</a:t>
             </a:fld>
             <a:endParaRPr lang="fr-FR"/>
@@ -2747,7 +2761,7 @@
     </p:spTree>
     <p:extLst>
       <p:ext uri="{BB962C8B-B14F-4D97-AF65-F5344CB8AC3E}">
-        <p14:creationId xmlns:p14="http://schemas.microsoft.com/office/powerpoint/2010/main" val="1360642135"/>
+        <p14:creationId xmlns:p14="http://schemas.microsoft.com/office/powerpoint/2010/main" xmlns="" val="1360642135"/>
       </p:ext>
     </p:extLst>
   </p:cSld>
@@ -2779,7 +2793,7 @@
           <p:cNvPr id="2" name="Titre 1">
             <a:extLst>
               <a:ext uri="{FF2B5EF4-FFF2-40B4-BE49-F238E27FC236}">
-                <a16:creationId xmlns:a16="http://schemas.microsoft.com/office/drawing/2014/main" id="{E0CDEC3F-BF47-4DBE-971F-C35493150C5A}"/>
+                <a16:creationId xmlns:a16="http://schemas.microsoft.com/office/drawing/2014/main" xmlns="" id="{E0CDEC3F-BF47-4DBE-971F-C35493150C5A}"/>
               </a:ext>
             </a:extLst>
           </p:cNvPr>
@@ -2807,7 +2821,7 @@
           <p:cNvPr id="3" name="Espace réservé de la date 2">
             <a:extLst>
               <a:ext uri="{FF2B5EF4-FFF2-40B4-BE49-F238E27FC236}">
-                <a16:creationId xmlns:a16="http://schemas.microsoft.com/office/drawing/2014/main" id="{6099F907-47B3-4303-83BB-178386291603}"/>
+                <a16:creationId xmlns:a16="http://schemas.microsoft.com/office/drawing/2014/main" xmlns="" id="{6099F907-47B3-4303-83BB-178386291603}"/>
               </a:ext>
             </a:extLst>
           </p:cNvPr>
@@ -2825,7 +2839,8 @@
           <a:p>
             <a:fld id="{03D0E808-2280-47D8-B66B-238F58F10961}" type="datetimeFigureOut">
               <a:rPr lang="fr-FR" smtClean="0"/>
-              <a:t>05/02/2020</a:t>
+              <a:pPr/>
+              <a:t>06/03/2020</a:t>
             </a:fld>
             <a:endParaRPr lang="fr-FR"/>
           </a:p>
@@ -2836,7 +2851,7 @@
           <p:cNvPr id="4" name="Espace réservé du pied de page 3">
             <a:extLst>
               <a:ext uri="{FF2B5EF4-FFF2-40B4-BE49-F238E27FC236}">
-                <a16:creationId xmlns:a16="http://schemas.microsoft.com/office/drawing/2014/main" id="{1DC9BAEF-3646-4574-9B81-961CB5102A67}"/>
+                <a16:creationId xmlns:a16="http://schemas.microsoft.com/office/drawing/2014/main" xmlns="" id="{1DC9BAEF-3646-4574-9B81-961CB5102A67}"/>
               </a:ext>
             </a:extLst>
           </p:cNvPr>
@@ -2861,7 +2876,7 @@
           <p:cNvPr id="5" name="Espace réservé du numéro de diapositive 4">
             <a:extLst>
               <a:ext uri="{FF2B5EF4-FFF2-40B4-BE49-F238E27FC236}">
-                <a16:creationId xmlns:a16="http://schemas.microsoft.com/office/drawing/2014/main" id="{E25D7E61-EA11-4F42-84FC-DCA04E3D496F}"/>
+                <a16:creationId xmlns:a16="http://schemas.microsoft.com/office/drawing/2014/main" xmlns="" id="{E25D7E61-EA11-4F42-84FC-DCA04E3D496F}"/>
               </a:ext>
             </a:extLst>
           </p:cNvPr>
@@ -2879,6 +2894,7 @@
           <a:p>
             <a:fld id="{4F362008-E69A-4C20-9514-30841BB57A9F}" type="slidenum">
               <a:rPr lang="fr-FR" smtClean="0"/>
+              <a:pPr/>
               <a:t>‹N°›</a:t>
             </a:fld>
             <a:endParaRPr lang="fr-FR"/>
@@ -2888,7 +2904,7 @@
     </p:spTree>
     <p:extLst>
       <p:ext uri="{BB962C8B-B14F-4D97-AF65-F5344CB8AC3E}">
-        <p14:creationId xmlns:p14="http://schemas.microsoft.com/office/powerpoint/2010/main" val="3834871807"/>
+        <p14:creationId xmlns:p14="http://schemas.microsoft.com/office/powerpoint/2010/main" xmlns="" val="3834871807"/>
       </p:ext>
     </p:extLst>
   </p:cSld>
@@ -2920,7 +2936,7 @@
           <p:cNvPr id="2" name="Espace réservé de la date 1">
             <a:extLst>
               <a:ext uri="{FF2B5EF4-FFF2-40B4-BE49-F238E27FC236}">
-                <a16:creationId xmlns:a16="http://schemas.microsoft.com/office/drawing/2014/main" id="{0A4D7524-FED3-487E-A7BA-2BFB0FB46541}"/>
+                <a16:creationId xmlns:a16="http://schemas.microsoft.com/office/drawing/2014/main" xmlns="" id="{0A4D7524-FED3-487E-A7BA-2BFB0FB46541}"/>
               </a:ext>
             </a:extLst>
           </p:cNvPr>
@@ -2938,7 +2954,8 @@
           <a:p>
             <a:fld id="{03D0E808-2280-47D8-B66B-238F58F10961}" type="datetimeFigureOut">
               <a:rPr lang="fr-FR" smtClean="0"/>
-              <a:t>05/02/2020</a:t>
+              <a:pPr/>
+              <a:t>06/03/2020</a:t>
             </a:fld>
             <a:endParaRPr lang="fr-FR"/>
           </a:p>
@@ -2949,7 +2966,7 @@
           <p:cNvPr id="3" name="Espace réservé du pied de page 2">
             <a:extLst>
               <a:ext uri="{FF2B5EF4-FFF2-40B4-BE49-F238E27FC236}">
-                <a16:creationId xmlns:a16="http://schemas.microsoft.com/office/drawing/2014/main" id="{C4057FB6-6547-41CA-8A02-3F84CFBE7D7C}"/>
+                <a16:creationId xmlns:a16="http://schemas.microsoft.com/office/drawing/2014/main" xmlns="" id="{C4057FB6-6547-41CA-8A02-3F84CFBE7D7C}"/>
               </a:ext>
             </a:extLst>
           </p:cNvPr>
@@ -2974,7 +2991,7 @@
           <p:cNvPr id="4" name="Espace réservé du numéro de diapositive 3">
             <a:extLst>
               <a:ext uri="{FF2B5EF4-FFF2-40B4-BE49-F238E27FC236}">
-                <a16:creationId xmlns:a16="http://schemas.microsoft.com/office/drawing/2014/main" id="{AFC69D59-41B9-4A21-BDFB-9862602B6077}"/>
+                <a16:creationId xmlns:a16="http://schemas.microsoft.com/office/drawing/2014/main" xmlns="" id="{AFC69D59-41B9-4A21-BDFB-9862602B6077}"/>
               </a:ext>
             </a:extLst>
           </p:cNvPr>
@@ -2992,6 +3009,7 @@
           <a:p>
             <a:fld id="{4F362008-E69A-4C20-9514-30841BB57A9F}" type="slidenum">
               <a:rPr lang="fr-FR" smtClean="0"/>
+              <a:pPr/>
               <a:t>‹N°›</a:t>
             </a:fld>
             <a:endParaRPr lang="fr-FR"/>
@@ -3001,7 +3019,7 @@
     </p:spTree>
     <p:extLst>
       <p:ext uri="{BB962C8B-B14F-4D97-AF65-F5344CB8AC3E}">
-        <p14:creationId xmlns:p14="http://schemas.microsoft.com/office/powerpoint/2010/main" val="2148557177"/>
+        <p14:creationId xmlns:p14="http://schemas.microsoft.com/office/powerpoint/2010/main" xmlns="" val="2148557177"/>
       </p:ext>
     </p:extLst>
   </p:cSld>
@@ -3033,7 +3051,7 @@
           <p:cNvPr id="2" name="Titre 1">
             <a:extLst>
               <a:ext uri="{FF2B5EF4-FFF2-40B4-BE49-F238E27FC236}">
-                <a16:creationId xmlns:a16="http://schemas.microsoft.com/office/drawing/2014/main" id="{EB82E220-7C92-467A-9FED-9896149EAF27}"/>
+                <a16:creationId xmlns:a16="http://schemas.microsoft.com/office/drawing/2014/main" xmlns="" id="{EB82E220-7C92-467A-9FED-9896149EAF27}"/>
               </a:ext>
             </a:extLst>
           </p:cNvPr>
@@ -3070,7 +3088,7 @@
           <p:cNvPr id="3" name="Espace réservé du contenu 2">
             <a:extLst>
               <a:ext uri="{FF2B5EF4-FFF2-40B4-BE49-F238E27FC236}">
-                <a16:creationId xmlns:a16="http://schemas.microsoft.com/office/drawing/2014/main" id="{3C0CE006-A179-44EB-A431-C19998ECC2D3}"/>
+                <a16:creationId xmlns:a16="http://schemas.microsoft.com/office/drawing/2014/main" xmlns="" id="{3C0CE006-A179-44EB-A431-C19998ECC2D3}"/>
               </a:ext>
             </a:extLst>
           </p:cNvPr>
@@ -3160,7 +3178,7 @@
           <p:cNvPr id="4" name="Espace réservé du texte 3">
             <a:extLst>
               <a:ext uri="{FF2B5EF4-FFF2-40B4-BE49-F238E27FC236}">
-                <a16:creationId xmlns:a16="http://schemas.microsoft.com/office/drawing/2014/main" id="{2886537A-EA8F-4115-B357-AD9580580FBE}"/>
+                <a16:creationId xmlns:a16="http://schemas.microsoft.com/office/drawing/2014/main" xmlns="" id="{2886537A-EA8F-4115-B357-AD9580580FBE}"/>
               </a:ext>
             </a:extLst>
           </p:cNvPr>
@@ -3231,7 +3249,7 @@
           <p:cNvPr id="5" name="Espace réservé de la date 4">
             <a:extLst>
               <a:ext uri="{FF2B5EF4-FFF2-40B4-BE49-F238E27FC236}">
-                <a16:creationId xmlns:a16="http://schemas.microsoft.com/office/drawing/2014/main" id="{C20400DF-7A6F-4058-8DEB-049FCB169FBE}"/>
+                <a16:creationId xmlns:a16="http://schemas.microsoft.com/office/drawing/2014/main" xmlns="" id="{C20400DF-7A6F-4058-8DEB-049FCB169FBE}"/>
               </a:ext>
             </a:extLst>
           </p:cNvPr>
@@ -3249,7 +3267,8 @@
           <a:p>
             <a:fld id="{03D0E808-2280-47D8-B66B-238F58F10961}" type="datetimeFigureOut">
               <a:rPr lang="fr-FR" smtClean="0"/>
-              <a:t>05/02/2020</a:t>
+              <a:pPr/>
+              <a:t>06/03/2020</a:t>
             </a:fld>
             <a:endParaRPr lang="fr-FR"/>
           </a:p>
@@ -3260,7 +3279,7 @@
           <p:cNvPr id="6" name="Espace réservé du pied de page 5">
             <a:extLst>
               <a:ext uri="{FF2B5EF4-FFF2-40B4-BE49-F238E27FC236}">
-                <a16:creationId xmlns:a16="http://schemas.microsoft.com/office/drawing/2014/main" id="{5D27D1AD-4C9A-4FDD-9B99-7D96313186EE}"/>
+                <a16:creationId xmlns:a16="http://schemas.microsoft.com/office/drawing/2014/main" xmlns="" id="{5D27D1AD-4C9A-4FDD-9B99-7D96313186EE}"/>
               </a:ext>
             </a:extLst>
           </p:cNvPr>
@@ -3285,7 +3304,7 @@
           <p:cNvPr id="7" name="Espace réservé du numéro de diapositive 6">
             <a:extLst>
               <a:ext uri="{FF2B5EF4-FFF2-40B4-BE49-F238E27FC236}">
-                <a16:creationId xmlns:a16="http://schemas.microsoft.com/office/drawing/2014/main" id="{07E730AF-65F6-4177-B424-4D36E5E41952}"/>
+                <a16:creationId xmlns:a16="http://schemas.microsoft.com/office/drawing/2014/main" xmlns="" id="{07E730AF-65F6-4177-B424-4D36E5E41952}"/>
               </a:ext>
             </a:extLst>
           </p:cNvPr>
@@ -3303,6 +3322,7 @@
           <a:p>
             <a:fld id="{4F362008-E69A-4C20-9514-30841BB57A9F}" type="slidenum">
               <a:rPr lang="fr-FR" smtClean="0"/>
+              <a:pPr/>
               <a:t>‹N°›</a:t>
             </a:fld>
             <a:endParaRPr lang="fr-FR"/>
@@ -3312,7 +3332,7 @@
     </p:spTree>
     <p:extLst>
       <p:ext uri="{BB962C8B-B14F-4D97-AF65-F5344CB8AC3E}">
-        <p14:creationId xmlns:p14="http://schemas.microsoft.com/office/powerpoint/2010/main" val="3170308927"/>
+        <p14:creationId xmlns:p14="http://schemas.microsoft.com/office/powerpoint/2010/main" xmlns="" val="3170308927"/>
       </p:ext>
     </p:extLst>
   </p:cSld>
@@ -3344,7 +3364,7 @@
           <p:cNvPr id="2" name="Titre 1">
             <a:extLst>
               <a:ext uri="{FF2B5EF4-FFF2-40B4-BE49-F238E27FC236}">
-                <a16:creationId xmlns:a16="http://schemas.microsoft.com/office/drawing/2014/main" id="{C1C48B99-9499-4DBB-B8F0-1B7ABA91F570}"/>
+                <a16:creationId xmlns:a16="http://schemas.microsoft.com/office/drawing/2014/main" xmlns="" id="{C1C48B99-9499-4DBB-B8F0-1B7ABA91F570}"/>
               </a:ext>
             </a:extLst>
           </p:cNvPr>
@@ -3381,7 +3401,7 @@
           <p:cNvPr id="3" name="Espace réservé pour une image  2">
             <a:extLst>
               <a:ext uri="{FF2B5EF4-FFF2-40B4-BE49-F238E27FC236}">
-                <a16:creationId xmlns:a16="http://schemas.microsoft.com/office/drawing/2014/main" id="{8C0FD8F1-0563-4D00-BC00-BD71B1716784}"/>
+                <a16:creationId xmlns:a16="http://schemas.microsoft.com/office/drawing/2014/main" xmlns="" id="{8C0FD8F1-0563-4D00-BC00-BD71B1716784}"/>
               </a:ext>
             </a:extLst>
           </p:cNvPr>
@@ -3448,7 +3468,7 @@
           <p:cNvPr id="4" name="Espace réservé du texte 3">
             <a:extLst>
               <a:ext uri="{FF2B5EF4-FFF2-40B4-BE49-F238E27FC236}">
-                <a16:creationId xmlns:a16="http://schemas.microsoft.com/office/drawing/2014/main" id="{1D8565D7-E308-4D99-80BD-4994336C4E8E}"/>
+                <a16:creationId xmlns:a16="http://schemas.microsoft.com/office/drawing/2014/main" xmlns="" id="{1D8565D7-E308-4D99-80BD-4994336C4E8E}"/>
               </a:ext>
             </a:extLst>
           </p:cNvPr>
@@ -3519,7 +3539,7 @@
           <p:cNvPr id="5" name="Espace réservé de la date 4">
             <a:extLst>
               <a:ext uri="{FF2B5EF4-FFF2-40B4-BE49-F238E27FC236}">
-                <a16:creationId xmlns:a16="http://schemas.microsoft.com/office/drawing/2014/main" id="{B81C1BEE-7552-48B9-B772-43C64FAB1807}"/>
+                <a16:creationId xmlns:a16="http://schemas.microsoft.com/office/drawing/2014/main" xmlns="" id="{B81C1BEE-7552-48B9-B772-43C64FAB1807}"/>
               </a:ext>
             </a:extLst>
           </p:cNvPr>
@@ -3537,7 +3557,8 @@
           <a:p>
             <a:fld id="{03D0E808-2280-47D8-B66B-238F58F10961}" type="datetimeFigureOut">
               <a:rPr lang="fr-FR" smtClean="0"/>
-              <a:t>05/02/2020</a:t>
+              <a:pPr/>
+              <a:t>06/03/2020</a:t>
             </a:fld>
             <a:endParaRPr lang="fr-FR"/>
           </a:p>
@@ -3548,7 +3569,7 @@
           <p:cNvPr id="6" name="Espace réservé du pied de page 5">
             <a:extLst>
               <a:ext uri="{FF2B5EF4-FFF2-40B4-BE49-F238E27FC236}">
-                <a16:creationId xmlns:a16="http://schemas.microsoft.com/office/drawing/2014/main" id="{4C114FE2-992C-436D-BBCA-2DBC7E3F7494}"/>
+                <a16:creationId xmlns:a16="http://schemas.microsoft.com/office/drawing/2014/main" xmlns="" id="{4C114FE2-992C-436D-BBCA-2DBC7E3F7494}"/>
               </a:ext>
             </a:extLst>
           </p:cNvPr>
@@ -3573,7 +3594,7 @@
           <p:cNvPr id="7" name="Espace réservé du numéro de diapositive 6">
             <a:extLst>
               <a:ext uri="{FF2B5EF4-FFF2-40B4-BE49-F238E27FC236}">
-                <a16:creationId xmlns:a16="http://schemas.microsoft.com/office/drawing/2014/main" id="{5401A0B4-EA9C-4BC7-BEA3-E87349376263}"/>
+                <a16:creationId xmlns:a16="http://schemas.microsoft.com/office/drawing/2014/main" xmlns="" id="{5401A0B4-EA9C-4BC7-BEA3-E87349376263}"/>
               </a:ext>
             </a:extLst>
           </p:cNvPr>
@@ -3591,6 +3612,7 @@
           <a:p>
             <a:fld id="{4F362008-E69A-4C20-9514-30841BB57A9F}" type="slidenum">
               <a:rPr lang="fr-FR" smtClean="0"/>
+              <a:pPr/>
               <a:t>‹N°›</a:t>
             </a:fld>
             <a:endParaRPr lang="fr-FR"/>
@@ -3600,7 +3622,7 @@
     </p:spTree>
     <p:extLst>
       <p:ext uri="{BB962C8B-B14F-4D97-AF65-F5344CB8AC3E}">
-        <p14:creationId xmlns:p14="http://schemas.microsoft.com/office/powerpoint/2010/main" val="623762563"/>
+        <p14:creationId xmlns:p14="http://schemas.microsoft.com/office/powerpoint/2010/main" xmlns="" val="623762563"/>
       </p:ext>
     </p:extLst>
   </p:cSld>
@@ -3637,7 +3659,7 @@
           <p:cNvPr id="2" name="Espace réservé du titre 1">
             <a:extLst>
               <a:ext uri="{FF2B5EF4-FFF2-40B4-BE49-F238E27FC236}">
-                <a16:creationId xmlns:a16="http://schemas.microsoft.com/office/drawing/2014/main" id="{DE39C522-50E4-4D13-A669-3D85F768CD96}"/>
+                <a16:creationId xmlns:a16="http://schemas.microsoft.com/office/drawing/2014/main" xmlns="" id="{DE39C522-50E4-4D13-A669-3D85F768CD96}"/>
               </a:ext>
             </a:extLst>
           </p:cNvPr>
@@ -3675,7 +3697,7 @@
           <p:cNvPr id="3" name="Espace réservé du texte 2">
             <a:extLst>
               <a:ext uri="{FF2B5EF4-FFF2-40B4-BE49-F238E27FC236}">
-                <a16:creationId xmlns:a16="http://schemas.microsoft.com/office/drawing/2014/main" id="{ED4F010F-1C90-40F5-B2A2-1ED5D2AF679A}"/>
+                <a16:creationId xmlns:a16="http://schemas.microsoft.com/office/drawing/2014/main" xmlns="" id="{ED4F010F-1C90-40F5-B2A2-1ED5D2AF679A}"/>
               </a:ext>
             </a:extLst>
           </p:cNvPr>
@@ -3742,7 +3764,7 @@
           <p:cNvPr id="4" name="Espace réservé de la date 3">
             <a:extLst>
               <a:ext uri="{FF2B5EF4-FFF2-40B4-BE49-F238E27FC236}">
-                <a16:creationId xmlns:a16="http://schemas.microsoft.com/office/drawing/2014/main" id="{FF0B592D-78E9-4D38-BC0A-36DBF5EE2446}"/>
+                <a16:creationId xmlns:a16="http://schemas.microsoft.com/office/drawing/2014/main" xmlns="" id="{FF0B592D-78E9-4D38-BC0A-36DBF5EE2446}"/>
               </a:ext>
             </a:extLst>
           </p:cNvPr>
@@ -3778,7 +3800,8 @@
           <a:p>
             <a:fld id="{03D0E808-2280-47D8-B66B-238F58F10961}" type="datetimeFigureOut">
               <a:rPr lang="fr-FR" smtClean="0"/>
-              <a:t>05/02/2020</a:t>
+              <a:pPr/>
+              <a:t>06/03/2020</a:t>
             </a:fld>
             <a:endParaRPr lang="fr-FR"/>
           </a:p>
@@ -3789,7 +3812,7 @@
           <p:cNvPr id="5" name="Espace réservé du pied de page 4">
             <a:extLst>
               <a:ext uri="{FF2B5EF4-FFF2-40B4-BE49-F238E27FC236}">
-                <a16:creationId xmlns:a16="http://schemas.microsoft.com/office/drawing/2014/main" id="{ABAE3707-4DA0-4061-8D19-65771E8C8740}"/>
+                <a16:creationId xmlns:a16="http://schemas.microsoft.com/office/drawing/2014/main" xmlns="" id="{ABAE3707-4DA0-4061-8D19-65771E8C8740}"/>
               </a:ext>
             </a:extLst>
           </p:cNvPr>
@@ -3832,7 +3855,7 @@
           <p:cNvPr id="6" name="Espace réservé du numéro de diapositive 5">
             <a:extLst>
               <a:ext uri="{FF2B5EF4-FFF2-40B4-BE49-F238E27FC236}">
-                <a16:creationId xmlns:a16="http://schemas.microsoft.com/office/drawing/2014/main" id="{FD23F9E3-1CB9-4A2E-982F-F4FFB6DBAEFF}"/>
+                <a16:creationId xmlns:a16="http://schemas.microsoft.com/office/drawing/2014/main" xmlns="" id="{FD23F9E3-1CB9-4A2E-982F-F4FFB6DBAEFF}"/>
               </a:ext>
             </a:extLst>
           </p:cNvPr>
@@ -3868,6 +3891,7 @@
           <a:p>
             <a:fld id="{4F362008-E69A-4C20-9514-30841BB57A9F}" type="slidenum">
               <a:rPr lang="fr-FR" smtClean="0"/>
+              <a:pPr/>
               <a:t>‹N°›</a:t>
             </a:fld>
             <a:endParaRPr lang="fr-FR"/>
@@ -3877,7 +3901,7 @@
     </p:spTree>
     <p:extLst>
       <p:ext uri="{BB962C8B-B14F-4D97-AF65-F5344CB8AC3E}">
-        <p14:creationId xmlns:p14="http://schemas.microsoft.com/office/powerpoint/2010/main" val="944947583"/>
+        <p14:creationId xmlns:p14="http://schemas.microsoft.com/office/powerpoint/2010/main" xmlns="" val="944947583"/>
       </p:ext>
     </p:extLst>
   </p:cSld>
@@ -4200,7 +4224,7 @@
           <p:cNvPr id="38" name="Connecteur droit 37">
             <a:extLst>
               <a:ext uri="{FF2B5EF4-FFF2-40B4-BE49-F238E27FC236}">
-                <a16:creationId xmlns:a16="http://schemas.microsoft.com/office/drawing/2014/main" id="{E4DDC066-8ECE-477D-94D2-FC34B21EC2C1}"/>
+                <a16:creationId xmlns:a16="http://schemas.microsoft.com/office/drawing/2014/main" xmlns="" id="{E4DDC066-8ECE-477D-94D2-FC34B21EC2C1}"/>
               </a:ext>
             </a:extLst>
           </p:cNvPr>
@@ -4245,7 +4269,7 @@
           <p:cNvPr id="39" name="Connecteur droit 38">
             <a:extLst>
               <a:ext uri="{FF2B5EF4-FFF2-40B4-BE49-F238E27FC236}">
-                <a16:creationId xmlns:a16="http://schemas.microsoft.com/office/drawing/2014/main" id="{9F41C57E-9025-4754-A594-24117680F845}"/>
+                <a16:creationId xmlns:a16="http://schemas.microsoft.com/office/drawing/2014/main" xmlns="" id="{9F41C57E-9025-4754-A594-24117680F845}"/>
               </a:ext>
             </a:extLst>
           </p:cNvPr>
@@ -4290,7 +4314,7 @@
           <p:cNvPr id="4" name="ZoneTexte 3">
             <a:extLst>
               <a:ext uri="{FF2B5EF4-FFF2-40B4-BE49-F238E27FC236}">
-                <a16:creationId xmlns:a16="http://schemas.microsoft.com/office/drawing/2014/main" id="{A2539634-B25C-4AC1-99AC-7DA9BB56BCAC}"/>
+                <a16:creationId xmlns:a16="http://schemas.microsoft.com/office/drawing/2014/main" xmlns="" id="{A2539634-B25C-4AC1-99AC-7DA9BB56BCAC}"/>
               </a:ext>
             </a:extLst>
           </p:cNvPr>
@@ -4331,7 +4355,7 @@
           <p:cNvPr id="5" name="ZoneTexte 4">
             <a:extLst>
               <a:ext uri="{FF2B5EF4-FFF2-40B4-BE49-F238E27FC236}">
-                <a16:creationId xmlns:a16="http://schemas.microsoft.com/office/drawing/2014/main" id="{D360F008-0350-40A1-A1FC-8BD25D46955C}"/>
+                <a16:creationId xmlns:a16="http://schemas.microsoft.com/office/drawing/2014/main" xmlns="" id="{D360F008-0350-40A1-A1FC-8BD25D46955C}"/>
               </a:ext>
             </a:extLst>
           </p:cNvPr>
@@ -4366,7 +4390,7 @@
           <p:cNvPr id="6" name="ZoneTexte 5">
             <a:extLst>
               <a:ext uri="{FF2B5EF4-FFF2-40B4-BE49-F238E27FC236}">
-                <a16:creationId xmlns:a16="http://schemas.microsoft.com/office/drawing/2014/main" id="{631CF34C-AB3B-46B0-AB87-C9C8DC32DD3D}"/>
+                <a16:creationId xmlns:a16="http://schemas.microsoft.com/office/drawing/2014/main" xmlns="" id="{631CF34C-AB3B-46B0-AB87-C9C8DC32DD3D}"/>
               </a:ext>
             </a:extLst>
           </p:cNvPr>
@@ -4401,7 +4425,7 @@
           <p:cNvPr id="7" name="ZoneTexte 6">
             <a:extLst>
               <a:ext uri="{FF2B5EF4-FFF2-40B4-BE49-F238E27FC236}">
-                <a16:creationId xmlns:a16="http://schemas.microsoft.com/office/drawing/2014/main" id="{09768C9B-9E81-4FD2-8E18-385B5449E62C}"/>
+                <a16:creationId xmlns:a16="http://schemas.microsoft.com/office/drawing/2014/main" xmlns="" id="{09768C9B-9E81-4FD2-8E18-385B5449E62C}"/>
               </a:ext>
             </a:extLst>
           </p:cNvPr>
@@ -4436,7 +4460,7 @@
           <p:cNvPr id="9" name="ZoneTexte 8">
             <a:extLst>
               <a:ext uri="{FF2B5EF4-FFF2-40B4-BE49-F238E27FC236}">
-                <a16:creationId xmlns:a16="http://schemas.microsoft.com/office/drawing/2014/main" id="{04E1DB3F-66B1-4FB1-87E8-C191BAC64DA7}"/>
+                <a16:creationId xmlns:a16="http://schemas.microsoft.com/office/drawing/2014/main" xmlns="" id="{04E1DB3F-66B1-4FB1-87E8-C191BAC64DA7}"/>
               </a:ext>
             </a:extLst>
           </p:cNvPr>
@@ -4477,7 +4501,7 @@
           <p:cNvPr id="10" name="ZoneTexte 9">
             <a:extLst>
               <a:ext uri="{FF2B5EF4-FFF2-40B4-BE49-F238E27FC236}">
-                <a16:creationId xmlns:a16="http://schemas.microsoft.com/office/drawing/2014/main" id="{F7F91496-761D-4F7A-8C79-7CA9ECE3725C}"/>
+                <a16:creationId xmlns:a16="http://schemas.microsoft.com/office/drawing/2014/main" xmlns="" id="{F7F91496-761D-4F7A-8C79-7CA9ECE3725C}"/>
               </a:ext>
             </a:extLst>
           </p:cNvPr>
@@ -4518,7 +4542,7 @@
           <p:cNvPr id="11" name="ZoneTexte 10">
             <a:extLst>
               <a:ext uri="{FF2B5EF4-FFF2-40B4-BE49-F238E27FC236}">
-                <a16:creationId xmlns:a16="http://schemas.microsoft.com/office/drawing/2014/main" id="{8400C930-441B-4EDA-ADA2-ED1B1167E279}"/>
+                <a16:creationId xmlns:a16="http://schemas.microsoft.com/office/drawing/2014/main" xmlns="" id="{8400C930-441B-4EDA-ADA2-ED1B1167E279}"/>
               </a:ext>
             </a:extLst>
           </p:cNvPr>
@@ -4559,7 +4583,7 @@
           <p:cNvPr id="12" name="ZoneTexte 11">
             <a:extLst>
               <a:ext uri="{FF2B5EF4-FFF2-40B4-BE49-F238E27FC236}">
-                <a16:creationId xmlns:a16="http://schemas.microsoft.com/office/drawing/2014/main" id="{91CE377E-1547-4572-B6C1-FEE809D4A90E}"/>
+                <a16:creationId xmlns:a16="http://schemas.microsoft.com/office/drawing/2014/main" xmlns="" id="{91CE377E-1547-4572-B6C1-FEE809D4A90E}"/>
               </a:ext>
             </a:extLst>
           </p:cNvPr>
@@ -4600,7 +4624,7 @@
           <p:cNvPr id="13" name="ZoneTexte 12">
             <a:extLst>
               <a:ext uri="{FF2B5EF4-FFF2-40B4-BE49-F238E27FC236}">
-                <a16:creationId xmlns:a16="http://schemas.microsoft.com/office/drawing/2014/main" id="{27CCAB0B-CC30-418A-B24E-4CFBC62E1DB7}"/>
+                <a16:creationId xmlns:a16="http://schemas.microsoft.com/office/drawing/2014/main" xmlns="" id="{27CCAB0B-CC30-418A-B24E-4CFBC62E1DB7}"/>
               </a:ext>
             </a:extLst>
           </p:cNvPr>
@@ -4641,7 +4665,7 @@
           <p:cNvPr id="14" name="ZoneTexte 13">
             <a:extLst>
               <a:ext uri="{FF2B5EF4-FFF2-40B4-BE49-F238E27FC236}">
-                <a16:creationId xmlns:a16="http://schemas.microsoft.com/office/drawing/2014/main" id="{BC27DBA4-A2DE-4BB7-8402-791F0E0A1591}"/>
+                <a16:creationId xmlns:a16="http://schemas.microsoft.com/office/drawing/2014/main" xmlns="" id="{BC27DBA4-A2DE-4BB7-8402-791F0E0A1591}"/>
               </a:ext>
             </a:extLst>
           </p:cNvPr>
@@ -4682,7 +4706,7 @@
           <p:cNvPr id="15" name="ZoneTexte 14">
             <a:extLst>
               <a:ext uri="{FF2B5EF4-FFF2-40B4-BE49-F238E27FC236}">
-                <a16:creationId xmlns:a16="http://schemas.microsoft.com/office/drawing/2014/main" id="{1C5114D2-DD4D-49BB-A8B7-7A6F2427FE63}"/>
+                <a16:creationId xmlns:a16="http://schemas.microsoft.com/office/drawing/2014/main" xmlns="" id="{1C5114D2-DD4D-49BB-A8B7-7A6F2427FE63}"/>
               </a:ext>
             </a:extLst>
           </p:cNvPr>
@@ -4723,7 +4747,7 @@
           <p:cNvPr id="16" name="ZoneTexte 15">
             <a:extLst>
               <a:ext uri="{FF2B5EF4-FFF2-40B4-BE49-F238E27FC236}">
-                <a16:creationId xmlns:a16="http://schemas.microsoft.com/office/drawing/2014/main" id="{F9C8E049-9709-4609-B97C-B9BFB62B324F}"/>
+                <a16:creationId xmlns:a16="http://schemas.microsoft.com/office/drawing/2014/main" xmlns="" id="{F9C8E049-9709-4609-B97C-B9BFB62B324F}"/>
               </a:ext>
             </a:extLst>
           </p:cNvPr>
@@ -4764,7 +4788,7 @@
           <p:cNvPr id="17" name="ZoneTexte 16">
             <a:extLst>
               <a:ext uri="{FF2B5EF4-FFF2-40B4-BE49-F238E27FC236}">
-                <a16:creationId xmlns:a16="http://schemas.microsoft.com/office/drawing/2014/main" id="{E2E8D214-A5D7-42E8-97C6-682A64D2866E}"/>
+                <a16:creationId xmlns:a16="http://schemas.microsoft.com/office/drawing/2014/main" xmlns="" id="{E2E8D214-A5D7-42E8-97C6-682A64D2866E}"/>
               </a:ext>
             </a:extLst>
           </p:cNvPr>
@@ -4800,7 +4824,7 @@
           <p:cNvPr id="40" name="Connecteur droit 39">
             <a:extLst>
               <a:ext uri="{FF2B5EF4-FFF2-40B4-BE49-F238E27FC236}">
-                <a16:creationId xmlns:a16="http://schemas.microsoft.com/office/drawing/2014/main" id="{84C1FE27-4209-44D1-9460-9210E7B73371}"/>
+                <a16:creationId xmlns:a16="http://schemas.microsoft.com/office/drawing/2014/main" xmlns="" id="{84C1FE27-4209-44D1-9460-9210E7B73371}"/>
               </a:ext>
             </a:extLst>
           </p:cNvPr>
@@ -4809,7 +4833,7 @@
         </p:nvCxnSpPr>
         <p:spPr>
           <a:xfrm>
-            <a:off x="443157" y="5201339"/>
+            <a:off x="443157" y="5592050"/>
             <a:ext cx="11547835" cy="0"/>
           </a:xfrm>
           <a:prstGeom prst="line">
@@ -4845,7 +4869,7 @@
           <p:cNvPr id="41" name="Connecteur droit 40">
             <a:extLst>
               <a:ext uri="{FF2B5EF4-FFF2-40B4-BE49-F238E27FC236}">
-                <a16:creationId xmlns:a16="http://schemas.microsoft.com/office/drawing/2014/main" id="{DA46EE5B-B7AD-446E-8202-F4203C70AA67}"/>
+                <a16:creationId xmlns:a16="http://schemas.microsoft.com/office/drawing/2014/main" xmlns="" id="{DA46EE5B-B7AD-446E-8202-F4203C70AA67}"/>
               </a:ext>
             </a:extLst>
           </p:cNvPr>
@@ -4890,7 +4914,7 @@
           <p:cNvPr id="30" name="Connecteur : en angle 29">
             <a:extLst>
               <a:ext uri="{FF2B5EF4-FFF2-40B4-BE49-F238E27FC236}">
-                <a16:creationId xmlns:a16="http://schemas.microsoft.com/office/drawing/2014/main" id="{A0DA4ECA-02CA-4398-AB33-7CD51F1871BB}"/>
+                <a16:creationId xmlns:a16="http://schemas.microsoft.com/office/drawing/2014/main" xmlns="" id="{A0DA4ECA-02CA-4398-AB33-7CD51F1871BB}"/>
               </a:ext>
             </a:extLst>
           </p:cNvPr>
@@ -4931,7 +4955,7 @@
           <p:cNvPr id="32" name="Connecteur : en angle 31">
             <a:extLst>
               <a:ext uri="{FF2B5EF4-FFF2-40B4-BE49-F238E27FC236}">
-                <a16:creationId xmlns:a16="http://schemas.microsoft.com/office/drawing/2014/main" id="{9859E110-C259-48A3-B9A2-E0CCFFFE4215}"/>
+                <a16:creationId xmlns:a16="http://schemas.microsoft.com/office/drawing/2014/main" xmlns="" id="{9859E110-C259-48A3-B9A2-E0CCFFFE4215}"/>
               </a:ext>
             </a:extLst>
           </p:cNvPr>
@@ -4973,7 +4997,7 @@
           <p:cNvPr id="35" name="Connecteur : en angle 34">
             <a:extLst>
               <a:ext uri="{FF2B5EF4-FFF2-40B4-BE49-F238E27FC236}">
-                <a16:creationId xmlns:a16="http://schemas.microsoft.com/office/drawing/2014/main" id="{69C62E22-5761-41C1-B8E1-DC3E5D0532BB}"/>
+                <a16:creationId xmlns:a16="http://schemas.microsoft.com/office/drawing/2014/main" xmlns="" id="{69C62E22-5761-41C1-B8E1-DC3E5D0532BB}"/>
               </a:ext>
             </a:extLst>
           </p:cNvPr>
@@ -5020,7 +5044,7 @@
           <p:cNvPr id="42" name="Connecteur : en angle 41">
             <a:extLst>
               <a:ext uri="{FF2B5EF4-FFF2-40B4-BE49-F238E27FC236}">
-                <a16:creationId xmlns:a16="http://schemas.microsoft.com/office/drawing/2014/main" id="{1CBDFC55-0794-48E5-9B54-0B4FD6E3D199}"/>
+                <a16:creationId xmlns:a16="http://schemas.microsoft.com/office/drawing/2014/main" xmlns="" id="{1CBDFC55-0794-48E5-9B54-0B4FD6E3D199}"/>
               </a:ext>
             </a:extLst>
           </p:cNvPr>
@@ -5066,7 +5090,7 @@
           <p:cNvPr id="50" name="Connecteur : en angle 49">
             <a:extLst>
               <a:ext uri="{FF2B5EF4-FFF2-40B4-BE49-F238E27FC236}">
-                <a16:creationId xmlns:a16="http://schemas.microsoft.com/office/drawing/2014/main" id="{99AA1EBE-8791-4424-A504-38E02A162041}"/>
+                <a16:creationId xmlns:a16="http://schemas.microsoft.com/office/drawing/2014/main" xmlns="" id="{99AA1EBE-8791-4424-A504-38E02A162041}"/>
               </a:ext>
             </a:extLst>
           </p:cNvPr>
@@ -5112,7 +5136,7 @@
           <p:cNvPr id="56" name="Connecteur : en angle 55">
             <a:extLst>
               <a:ext uri="{FF2B5EF4-FFF2-40B4-BE49-F238E27FC236}">
-                <a16:creationId xmlns:a16="http://schemas.microsoft.com/office/drawing/2014/main" id="{CEB6944E-8164-49DC-9C61-C0EDCF442ED0}"/>
+                <a16:creationId xmlns:a16="http://schemas.microsoft.com/office/drawing/2014/main" xmlns="" id="{CEB6944E-8164-49DC-9C61-C0EDCF442ED0}"/>
               </a:ext>
             </a:extLst>
           </p:cNvPr>
@@ -5156,7 +5180,7 @@
           <p:cNvPr id="58" name="Connecteur : en angle 57">
             <a:extLst>
               <a:ext uri="{FF2B5EF4-FFF2-40B4-BE49-F238E27FC236}">
-                <a16:creationId xmlns:a16="http://schemas.microsoft.com/office/drawing/2014/main" id="{B987C74E-32AE-4807-A479-780B0A7353A0}"/>
+                <a16:creationId xmlns:a16="http://schemas.microsoft.com/office/drawing/2014/main" xmlns="" id="{B987C74E-32AE-4807-A479-780B0A7353A0}"/>
               </a:ext>
             </a:extLst>
           </p:cNvPr>
@@ -5202,7 +5226,7 @@
           <p:cNvPr id="21" name="Connecteur : en angle 20">
             <a:extLst>
               <a:ext uri="{FF2B5EF4-FFF2-40B4-BE49-F238E27FC236}">
-                <a16:creationId xmlns:a16="http://schemas.microsoft.com/office/drawing/2014/main" id="{D863ACD5-98FF-4C8E-93C9-ED08269FE3BF}"/>
+                <a16:creationId xmlns:a16="http://schemas.microsoft.com/office/drawing/2014/main" xmlns="" id="{D863ACD5-98FF-4C8E-93C9-ED08269FE3BF}"/>
               </a:ext>
             </a:extLst>
           </p:cNvPr>
@@ -5249,7 +5273,7 @@
           <p:cNvPr id="33" name="ZoneTexte 32">
             <a:extLst>
               <a:ext uri="{FF2B5EF4-FFF2-40B4-BE49-F238E27FC236}">
-                <a16:creationId xmlns:a16="http://schemas.microsoft.com/office/drawing/2014/main" id="{B1B2619E-19B0-4E1D-A91C-258B4A083830}"/>
+                <a16:creationId xmlns:a16="http://schemas.microsoft.com/office/drawing/2014/main" xmlns="" id="{B1B2619E-19B0-4E1D-A91C-258B4A083830}"/>
               </a:ext>
             </a:extLst>
           </p:cNvPr>
@@ -5290,7 +5314,7 @@
           <p:cNvPr id="20" name="Connecteur : en angle 19">
             <a:extLst>
               <a:ext uri="{FF2B5EF4-FFF2-40B4-BE49-F238E27FC236}">
-                <a16:creationId xmlns:a16="http://schemas.microsoft.com/office/drawing/2014/main" id="{064855A0-6418-46EE-8FFD-48A1385B71FA}"/>
+                <a16:creationId xmlns:a16="http://schemas.microsoft.com/office/drawing/2014/main" xmlns="" id="{064855A0-6418-46EE-8FFD-48A1385B71FA}"/>
               </a:ext>
             </a:extLst>
           </p:cNvPr>
@@ -5336,7 +5360,7 @@
           <p:cNvPr id="23" name="Connecteur : en angle 22">
             <a:extLst>
               <a:ext uri="{FF2B5EF4-FFF2-40B4-BE49-F238E27FC236}">
-                <a16:creationId xmlns:a16="http://schemas.microsoft.com/office/drawing/2014/main" id="{288D28DB-3D5D-4BFF-A694-AD6F054EEF4E}"/>
+                <a16:creationId xmlns:a16="http://schemas.microsoft.com/office/drawing/2014/main" xmlns="" id="{288D28DB-3D5D-4BFF-A694-AD6F054EEF4E}"/>
               </a:ext>
             </a:extLst>
           </p:cNvPr>
@@ -5377,10 +5401,94 @@
           </a:fontRef>
         </p:style>
       </p:cxnSp>
+      <p:sp>
+        <p:nvSpPr>
+          <p:cNvPr id="31" name="ZoneTexte 30">
+            <a:extLst>
+              <a:ext uri="{FF2B5EF4-FFF2-40B4-BE49-F238E27FC236}">
+                <a16:creationId xmlns:a16="http://schemas.microsoft.com/office/drawing/2014/main" xmlns="" id="{B1B2619E-19B0-4E1D-A91C-258B4A083830}"/>
+              </a:ext>
+            </a:extLst>
+          </p:cNvPr>
+          <p:cNvSpPr txBox="1"/>
+          <p:nvPr/>
+        </p:nvSpPr>
+        <p:spPr>
+          <a:xfrm>
+            <a:off x="9980938" y="4921618"/>
+            <a:ext cx="1254330" cy="578882"/>
+          </a:xfrm>
+          <a:prstGeom prst="roundRect">
+            <a:avLst/>
+          </a:prstGeom>
+          <a:solidFill>
+            <a:schemeClr val="accent2">
+              <a:lumMod val="60000"/>
+              <a:lumOff val="40000"/>
+            </a:schemeClr>
+          </a:solidFill>
+        </p:spPr>
+        <p:txBody>
+          <a:bodyPr wrap="square" rtlCol="0">
+            <a:spAutoFit/>
+          </a:bodyPr>
+          <a:lstStyle/>
+          <a:p>
+            <a:pPr algn="ctr"/>
+            <a:r>
+              <a:rPr lang="fr-FR" sz="1400" dirty="0"/>
+              <a:t>Gestion des </a:t>
+            </a:r>
+            <a:r>
+              <a:rPr lang="fr-FR" sz="1400" dirty="0" smtClean="0"/>
+              <a:t>types de NDF</a:t>
+            </a:r>
+            <a:endParaRPr lang="fr-FR" sz="1400" dirty="0"/>
+          </a:p>
+        </p:txBody>
+      </p:sp>
+      <p:cxnSp>
+        <p:nvCxnSpPr>
+          <p:cNvPr id="51" name="Connecteur en angle 50"/>
+          <p:cNvCxnSpPr>
+            <a:stCxn id="11" idx="2"/>
+            <a:endCxn id="31" idx="0"/>
+          </p:cNvCxnSpPr>
+          <p:nvPr/>
+        </p:nvCxnSpPr>
+        <p:spPr>
+          <a:xfrm rot="16200000" flipH="1">
+            <a:off x="9646407" y="3959922"/>
+            <a:ext cx="1400964" cy="522428"/>
+          </a:xfrm>
+          <a:prstGeom prst="bentConnector3">
+            <a:avLst>
+              <a:gd name="adj1" fmla="val 50000"/>
+            </a:avLst>
+          </a:prstGeom>
+          <a:ln>
+            <a:tailEnd type="arrow"/>
+          </a:ln>
+        </p:spPr>
+        <p:style>
+          <a:lnRef idx="1">
+            <a:schemeClr val="accent6"/>
+          </a:lnRef>
+          <a:fillRef idx="0">
+            <a:schemeClr val="accent6"/>
+          </a:fillRef>
+          <a:effectRef idx="0">
+            <a:schemeClr val="accent6"/>
+          </a:effectRef>
+          <a:fontRef idx="minor">
+            <a:schemeClr val="tx1"/>
+          </a:fontRef>
+        </p:style>
+      </p:cxnSp>
     </p:spTree>
     <p:extLst>
       <p:ext uri="{BB962C8B-B14F-4D97-AF65-F5344CB8AC3E}">
-        <p14:creationId xmlns:p14="http://schemas.microsoft.com/office/powerpoint/2010/main" val="592735644"/>
+        <p14:creationId xmlns:p14="http://schemas.microsoft.com/office/powerpoint/2010/main" xmlns="" val="592735644"/>
       </p:ext>
     </p:extLst>
   </p:cSld>
@@ -5433,7 +5541,7 @@
     </a:clrScheme>
     <a:fontScheme name="Office">
       <a:majorFont>
-        <a:latin typeface="Calibri Light" panose="020F0302020204030204"/>
+        <a:latin typeface="Calibri Light"/>
         <a:ea typeface=""/>
         <a:cs typeface=""/>
         <a:font script="Jpan" typeface="游ゴシック Light"/>
@@ -5485,7 +5593,7 @@
         <a:font script="Tfng" typeface="Ebrima"/>
       </a:majorFont>
       <a:minorFont>
-        <a:latin typeface="Calibri" panose="020F0502020204030204"/>
+        <a:latin typeface="Calibri"/>
         <a:ea typeface=""/>
         <a:cs typeface=""/>
         <a:font script="Jpan" typeface="游ゴシック"/>
@@ -5679,7 +5787,7 @@
   <a:extraClrSchemeLst/>
   <a:extLst>
     <a:ext uri="{05A4C25C-085E-4340-85A3-A5531E510DB2}">
-      <thm15:themeFamily xmlns:thm15="http://schemas.microsoft.com/office/thememl/2012/main" name="Office Theme" id="{62F939B6-93AF-4DB8-9C6B-D6C7DFDC589F}" vid="{4A3C46E8-61CC-4603-A589-7422A47A8E4A}"/>
+      <thm15:themeFamily xmlns:thm15="http://schemas.microsoft.com/office/thememl/2012/main" xmlns="" name="Office Theme" id="{62F939B6-93AF-4DB8-9C6B-D6C7DFDC589F}" vid="{4A3C46E8-61CC-4603-A589-7422A47A8E4A}"/>
     </a:ext>
   </a:extLst>
 </a:theme>
